--- a/ML_module.pptx
+++ b/ML_module.pptx
@@ -36152,7 +36152,21 @@
             <a:pPr lvl="1"/>
             <a:r>
               <a:rPr lang="en-US" dirty="0" smtClean="0"/>
-              <a:t>dvngopal@memphis.edu</a:t>
+              <a:t>Director of AI and Machine Learning Lab</a:t>
+            </a:r>
+          </a:p>
+          <a:p>
+            <a:pPr lvl="1"/>
+            <a:r>
+              <a:rPr lang="en-US" dirty="0" smtClean="0"/>
+              <a:t>Associate Director of the Data Science Center</a:t>
+            </a:r>
+          </a:p>
+          <a:p>
+            <a:pPr lvl="1"/>
+            <a:r>
+              <a:rPr lang="en-US" smtClean="0"/>
+              <a:t>Email: dvngopal@memphis.edu</a:t>
             </a:r>
             <a:endParaRPr lang="en-US" dirty="0"/>
           </a:p>
